--- a/Slides/OmicsPLS course 3 O2PLS.pptx
+++ b/Slides/OmicsPLS course 3 O2PLS.pptx
@@ -264,7 +264,7 @@
           <a:p>
             <a:fld id="{1D0781E7-9B05-4E41-96B0-DE9F3ED87C2E}" type="datetimeFigureOut">
               <a:rPr lang="nl-NL" smtClean="0"/>
-              <a:t>17-06-2021</a:t>
+              <a:t>14-08-2022</a:t>
             </a:fld>
             <a:endParaRPr lang="nl-NL"/>
           </a:p>
@@ -11974,19 +11974,6 @@
                   </a:schemeClr>
                 </a:solidFill>
               </a:rPr>
-              <a:t>Group sparse O2PLS</a:t>
-            </a:r>
-          </a:p>
-          <a:p>
-            <a:r>
-              <a:rPr lang="en-US" dirty="0">
-                <a:solidFill>
-                  <a:schemeClr val="tx1">
-                    <a:lumMod val="50000"/>
-                    <a:lumOff val="50000"/>
-                  </a:schemeClr>
-                </a:solidFill>
-              </a:rPr>
               <a:t>Post-hoc analyses using external databases</a:t>
             </a:r>
           </a:p>
@@ -12363,7 +12350,7 @@
             <a:pPr lvl="1"/>
             <a:r>
               <a:rPr lang="en-US" i="1" dirty="0"/>
-              <a:t>fit &lt;- o2m(methylation, glycomics, 2, 4, 6)</a:t>
+              <a:t>fit &lt;- o2m(methylation, glycomics, 4, 2, 6)</a:t>
             </a:r>
           </a:p>
           <a:p>
@@ -12510,19 +12497,6 @@
             <a:r>
               <a:rPr lang="en-US" dirty="0"/>
               <a:t>Multi-omics data integration </a:t>
-            </a:r>
-          </a:p>
-          <a:p>
-            <a:r>
-              <a:rPr lang="en-US" dirty="0">
-                <a:solidFill>
-                  <a:schemeClr val="tx1">
-                    <a:lumMod val="50000"/>
-                    <a:lumOff val="50000"/>
-                  </a:schemeClr>
-                </a:solidFill>
-              </a:rPr>
-              <a:t>Group sparse O2PLS</a:t>
             </a:r>
           </a:p>
           <a:p>
@@ -13567,8 +13541,8 @@
           </a:p>
         </p:txBody>
       </p:sp>
-      <mc:AlternateContent xmlns:mc="http://schemas.openxmlformats.org/markup-compatibility/2006">
-        <mc:Choice xmlns:a14="http://schemas.microsoft.com/office/drawing/2010/main" Requires="a14">
+      <mc:AlternateContent xmlns:mc="http://schemas.openxmlformats.org/markup-compatibility/2006" xmlns:a14="http://schemas.microsoft.com/office/drawing/2010/main">
+        <mc:Choice Requires="a14">
           <p:sp>
             <p:nvSpPr>
               <p:cNvPr id="3" name="Tijdelijke aanduiding voor tekst 2">
@@ -13950,7 +13924,7 @@
             </p:txBody>
           </p:sp>
         </mc:Choice>
-        <mc:Fallback>
+        <mc:Fallback xmlns="">
           <p:sp>
             <p:nvSpPr>
               <p:cNvPr id="3" name="Tijdelijke aanduiding voor tekst 2">
@@ -14048,8 +14022,8 @@
           </a:p>
         </p:txBody>
       </p:sp>
-      <mc:AlternateContent xmlns:mc="http://schemas.openxmlformats.org/markup-compatibility/2006">
-        <mc:Choice xmlns:a14="http://schemas.microsoft.com/office/drawing/2010/main" Requires="a14">
+      <mc:AlternateContent xmlns:mc="http://schemas.openxmlformats.org/markup-compatibility/2006" xmlns:a14="http://schemas.microsoft.com/office/drawing/2010/main">
+        <mc:Choice Requires="a14">
           <p:sp>
             <p:nvSpPr>
               <p:cNvPr id="3" name="Tijdelijke aanduiding voor tekst 2">
@@ -14153,7 +14127,7 @@
             </p:txBody>
           </p:sp>
         </mc:Choice>
-        <mc:Fallback>
+        <mc:Fallback xmlns="">
           <p:sp>
             <p:nvSpPr>
               <p:cNvPr id="3" name="Tijdelijke aanduiding voor tekst 2">
@@ -14251,8 +14225,8 @@
           </a:p>
         </p:txBody>
       </p:sp>
-      <mc:AlternateContent xmlns:mc="http://schemas.openxmlformats.org/markup-compatibility/2006">
-        <mc:Choice xmlns:a14="http://schemas.microsoft.com/office/drawing/2010/main" Requires="a14">
+      <mc:AlternateContent xmlns:mc="http://schemas.openxmlformats.org/markup-compatibility/2006" xmlns:a14="http://schemas.microsoft.com/office/drawing/2010/main">
+        <mc:Choice Requires="a14">
           <p:sp>
             <p:nvSpPr>
               <p:cNvPr id="3" name="Tijdelijke aanduiding voor tekst 2">
@@ -14738,7 +14712,7 @@
             </p:txBody>
           </p:sp>
         </mc:Choice>
-        <mc:Fallback>
+        <mc:Fallback xmlns="">
           <p:sp>
             <p:nvSpPr>
               <p:cNvPr id="3" name="Tijdelijke aanduiding voor tekst 2">

--- a/Slides/OmicsPLS course 3 O2PLS.pptx
+++ b/Slides/OmicsPLS course 3 O2PLS.pptx
@@ -264,7 +264,7 @@
           <a:p>
             <a:fld id="{1D0781E7-9B05-4E41-96B0-DE9F3ED87C2E}" type="datetimeFigureOut">
               <a:rPr lang="nl-NL" smtClean="0"/>
-              <a:t>14-08-2022</a:t>
+              <a:t>20-08-2022</a:t>
             </a:fld>
             <a:endParaRPr lang="nl-NL"/>
           </a:p>
@@ -15026,8 +15026,13 @@
           <a:p>
             <a:r>
               <a:rPr lang="en-US" sz="2400" dirty="0"/>
-              <a:t>Standard way is to do cross-validation (details: next session)</a:t>
-            </a:r>
+              <a:t>Standard way is to do cross-validation (not </a:t>
+            </a:r>
+            <a:r>
+              <a:rPr lang="en-US" sz="2400"/>
+              <a:t>covered now)</a:t>
+            </a:r>
+            <a:endParaRPr lang="en-US" sz="2400" dirty="0"/>
           </a:p>
         </p:txBody>
       </p:sp>
